--- a/VPI_Presentation.pptx
+++ b/VPI_Presentation.pptx
@@ -281,7 +281,7 @@
                     <a:cs typeface="+mn-cs"/>
                   </a:defRPr>
                 </a:pPr>
-                <a:endParaRPr lang="en-US"/>
+                <a:endParaRPr lang="de-DE"/>
               </a:p>
             </c:txPr>
             <c:dLblPos val="outEnd"/>
@@ -714,7 +714,7 @@
                 <a:cs typeface="+mn-cs"/>
               </a:defRPr>
             </a:pPr>
-            <a:endParaRPr lang="en-US"/>
+            <a:endParaRPr lang="de-DE"/>
           </a:p>
         </c:txPr>
         <c:crossAx val="1677419711"/>
@@ -771,7 +771,7 @@
       <a:pPr>
         <a:defRPr/>
       </a:pPr>
-      <a:endParaRPr lang="en-US"/>
+      <a:endParaRPr lang="de-DE"/>
     </a:p>
   </c:txPr>
   <c:externalData r:id="rId3">
@@ -1428,7 +1428,7 @@
             <a:pPr rtl="0"/>
             <a:fld id="{1ABCE889-5300-44CA-AF06-6ED72F219EED}" type="datetime1">
               <a:rPr lang="de-DE" smtClean="0"/>
-              <a:t>03.11.2021</a:t>
+              <a:t>04.11.2021</a:t>
             </a:fld>
             <a:endParaRPr lang="de-DE" dirty="0"/>
           </a:p>
@@ -1598,7 +1598,7 @@
             <a:fld id="{35662C74-EDBE-4D4F-8A33-E12A32CC2B74}" type="datetime1">
               <a:rPr lang="de-DE" smtClean="0"/>
               <a:pPr/>
-              <a:t>03.11.2021</a:t>
+              <a:t>04.11.2021</a:t>
             </a:fld>
             <a:endParaRPr lang="de-DE" dirty="0"/>
           </a:p>
@@ -2261,7 +2261,7 @@
             <a:pPr rtl="0"/>
             <a:fld id="{BB5A12BF-D6F0-407A-AE7A-8865A691B30B}" type="datetime1">
               <a:rPr lang="de-DE" noProof="0" smtClean="0"/>
-              <a:t>03.11.2021</a:t>
+              <a:t>04.11.2021</a:t>
             </a:fld>
             <a:endParaRPr lang="de-DE" noProof="0" dirty="0"/>
           </a:p>
@@ -2523,7 +2523,7 @@
             <a:pPr rtl="0"/>
             <a:fld id="{875125CE-31DE-4DE5-8258-3A8744281D72}" type="datetime1">
               <a:rPr lang="de-DE" noProof="0" smtClean="0"/>
-              <a:t>03.11.2021</a:t>
+              <a:t>04.11.2021</a:t>
             </a:fld>
             <a:endParaRPr lang="de-DE" noProof="0" dirty="0"/>
           </a:p>
@@ -2697,7 +2697,7 @@
             <a:pPr rtl="0"/>
             <a:fld id="{4FBF0C91-9943-49A6-85A4-F3BF107E47AD}" type="datetime1">
               <a:rPr lang="de-DE" noProof="0" smtClean="0"/>
-              <a:t>03.11.2021</a:t>
+              <a:t>04.11.2021</a:t>
             </a:fld>
             <a:endParaRPr lang="de-DE" noProof="0" dirty="0"/>
           </a:p>
@@ -2881,7 +2881,7 @@
             <a:pPr rtl="0"/>
             <a:fld id="{8C5891E8-9E95-4467-BED0-F8AAEF8D9A9B}" type="datetime1">
               <a:rPr lang="de-DE" noProof="0" smtClean="0"/>
-              <a:t>03.11.2021</a:t>
+              <a:t>04.11.2021</a:t>
             </a:fld>
             <a:endParaRPr lang="de-DE" noProof="0" dirty="0"/>
           </a:p>
@@ -3055,7 +3055,7 @@
             <a:pPr rtl="0"/>
             <a:fld id="{854B212C-B905-4204-B62F-E8E06329BC54}" type="datetime1">
               <a:rPr lang="de-DE" noProof="0" smtClean="0"/>
-              <a:t>03.11.2021</a:t>
+              <a:t>04.11.2021</a:t>
             </a:fld>
             <a:endParaRPr lang="de-DE" noProof="0" dirty="0"/>
           </a:p>
@@ -3305,7 +3305,7 @@
             <a:pPr rtl="0"/>
             <a:fld id="{AA39DC7C-431C-49AD-8BEB-3A6A7CA96EC1}" type="datetime1">
               <a:rPr lang="de-DE" noProof="0" smtClean="0"/>
-              <a:t>03.11.2021</a:t>
+              <a:t>04.11.2021</a:t>
             </a:fld>
             <a:endParaRPr lang="de-DE" noProof="0" dirty="0"/>
           </a:p>
@@ -3541,7 +3541,7 @@
             <a:pPr rtl="0"/>
             <a:fld id="{7D20CEC8-C47B-464B-B000-FFFA0189EAE4}" type="datetime1">
               <a:rPr lang="de-DE" noProof="0" smtClean="0"/>
-              <a:t>03.11.2021</a:t>
+              <a:t>04.11.2021</a:t>
             </a:fld>
             <a:endParaRPr lang="de-DE" noProof="0" dirty="0"/>
           </a:p>
@@ -3912,7 +3912,7 @@
             <a:pPr rtl="0"/>
             <a:fld id="{179EF80A-F254-4098-A979-7AEEA24F30B2}" type="datetime1">
               <a:rPr lang="de-DE" noProof="0" smtClean="0"/>
-              <a:t>03.11.2021</a:t>
+              <a:t>04.11.2021</a:t>
             </a:fld>
             <a:endParaRPr lang="de-DE" noProof="0" dirty="0"/>
           </a:p>
@@ -4034,7 +4034,7 @@
             <a:pPr rtl="0"/>
             <a:fld id="{40D8D008-F6B9-467C-A7C0-1BAD5B61C03F}" type="datetime1">
               <a:rPr lang="de-DE" noProof="0" smtClean="0"/>
-              <a:t>03.11.2021</a:t>
+              <a:t>04.11.2021</a:t>
             </a:fld>
             <a:endParaRPr lang="de-DE" noProof="0" dirty="0"/>
           </a:p>
@@ -4132,7 +4132,7 @@
             <a:pPr rtl="0"/>
             <a:fld id="{A1647DEE-0284-46DC-9342-E8AD8D0E79B1}" type="datetime1">
               <a:rPr lang="de-DE" noProof="0" smtClean="0"/>
-              <a:t>03.11.2021</a:t>
+              <a:t>04.11.2021</a:t>
             </a:fld>
             <a:endParaRPr lang="de-DE" noProof="0" dirty="0"/>
           </a:p>
@@ -4439,7 +4439,7 @@
             <a:pPr rtl="0"/>
             <a:fld id="{A9A78B8A-98F5-4D5C-AF9C-09887B7C3520}" type="datetime1">
               <a:rPr lang="de-DE" noProof="0" smtClean="0"/>
-              <a:t>03.11.2021</a:t>
+              <a:t>04.11.2021</a:t>
             </a:fld>
             <a:endParaRPr lang="de-DE" noProof="0" dirty="0"/>
           </a:p>
@@ -5138,7 +5138,7 @@
             <a:pPr rtl="0"/>
             <a:fld id="{583FE5D3-80A0-435E-8B7C-8DB39401B58A}" type="datetime1">
               <a:rPr lang="de-DE" noProof="0" smtClean="0"/>
-              <a:t>03.11.2021</a:t>
+              <a:t>04.11.2021</a:t>
             </a:fld>
             <a:endParaRPr lang="de-DE" noProof="0" dirty="0"/>
           </a:p>
@@ -5353,7 +5353,7 @@
             <a:pPr rtl="0"/>
             <a:fld id="{EB2962B4-671A-4096-8CEA-B3061EA2E548}" type="datetime1">
               <a:rPr lang="de-DE" noProof="0" smtClean="0"/>
-              <a:t>03.11.2021</a:t>
+              <a:t>04.11.2021</a:t>
             </a:fld>
             <a:endParaRPr lang="de-DE" noProof="0" dirty="0"/>
           </a:p>
@@ -6711,10 +6711,10 @@
       </p:sp>
       <p:pic>
         <p:nvPicPr>
-          <p:cNvPr id="4" name="Grafik 3" descr="Ein Bild, das Text, Uhr, Screenshot enthält.&#10;&#10;Automatisch generierte Beschreibung">
+          <p:cNvPr id="5" name="Grafik 4" descr="Ein Bild, das Text, Uhr, Screenshot enthält.&#10;&#10;Automatisch generierte Beschreibung">
             <a:extLst>
               <a:ext uri="{FF2B5EF4-FFF2-40B4-BE49-F238E27FC236}">
-                <a16:creationId xmlns:a16="http://schemas.microsoft.com/office/drawing/2014/main" id="{C09A4752-88BC-4D94-A491-23A1665257B4}"/>
+                <a16:creationId xmlns:a16="http://schemas.microsoft.com/office/drawing/2014/main" id="{5286031B-DF7B-4CF9-8E9B-701734E0A1E5}"/>
               </a:ext>
             </a:extLst>
           </p:cNvPr>
@@ -6737,8 +6737,8 @@
         </p:blipFill>
         <p:spPr>
           <a:xfrm>
-            <a:off x="1869179" y="1867693"/>
-            <a:ext cx="8326968" cy="3122613"/>
+            <a:off x="2075090" y="1820636"/>
+            <a:ext cx="8041820" cy="3216728"/>
           </a:xfrm>
           <a:prstGeom prst="rect">
             <a:avLst/>

--- a/VPI_Presentation.pptx
+++ b/VPI_Presentation.pptx
@@ -5,10 +5,10 @@
     <p:sldMasterId id="2147483672" r:id="rId1"/>
   </p:sldMasterIdLst>
   <p:notesMasterIdLst>
-    <p:notesMasterId r:id="rId10"/>
+    <p:notesMasterId r:id="rId11"/>
   </p:notesMasterIdLst>
   <p:handoutMasterIdLst>
-    <p:handoutMasterId r:id="rId11"/>
+    <p:handoutMasterId r:id="rId12"/>
   </p:handoutMasterIdLst>
   <p:sldIdLst>
     <p:sldId id="257" r:id="rId2"/>
@@ -17,8 +17,9 @@
     <p:sldId id="272" r:id="rId5"/>
     <p:sldId id="274" r:id="rId6"/>
     <p:sldId id="275" r:id="rId7"/>
-    <p:sldId id="270" r:id="rId8"/>
-    <p:sldId id="266" r:id="rId9"/>
+    <p:sldId id="276" r:id="rId8"/>
+    <p:sldId id="270" r:id="rId9"/>
+    <p:sldId id="266" r:id="rId10"/>
   </p:sldIdLst>
   <p:sldSz cx="12192000" cy="6858000"/>
   <p:notesSz cx="6858000" cy="9144000"/>
@@ -281,7 +282,7 @@
                     <a:cs typeface="+mn-cs"/>
                   </a:defRPr>
                 </a:pPr>
-                <a:endParaRPr lang="de-DE"/>
+                <a:endParaRPr lang="en-US"/>
               </a:p>
             </c:txPr>
             <c:dLblPos val="outEnd"/>
@@ -714,7 +715,7 @@
                 <a:cs typeface="+mn-cs"/>
               </a:defRPr>
             </a:pPr>
-            <a:endParaRPr lang="de-DE"/>
+            <a:endParaRPr lang="en-US"/>
           </a:p>
         </c:txPr>
         <c:crossAx val="1677419711"/>
@@ -771,7 +772,7 @@
       <a:pPr>
         <a:defRPr/>
       </a:pPr>
-      <a:endParaRPr lang="de-DE"/>
+      <a:endParaRPr lang="en-US"/>
     </a:p>
   </c:txPr>
   <c:externalData r:id="rId3">
@@ -1428,7 +1429,7 @@
             <a:pPr rtl="0"/>
             <a:fld id="{1ABCE889-5300-44CA-AF06-6ED72F219EED}" type="datetime1">
               <a:rPr lang="de-DE" smtClean="0"/>
-              <a:t>04.11.2021</a:t>
+              <a:t>17.11.2021</a:t>
             </a:fld>
             <a:endParaRPr lang="de-DE" dirty="0"/>
           </a:p>
@@ -1598,7 +1599,7 @@
             <a:fld id="{35662C74-EDBE-4D4F-8A33-E12A32CC2B74}" type="datetime1">
               <a:rPr lang="de-DE" smtClean="0"/>
               <a:pPr/>
-              <a:t>04.11.2021</a:t>
+              <a:t>17.11.2021</a:t>
             </a:fld>
             <a:endParaRPr lang="de-DE" dirty="0"/>
           </a:p>
@@ -2022,7 +2023,7 @@
             <a:pPr rtl="0"/>
             <a:fld id="{5FD34AC2-3728-4A8B-B58F-6888FAEC3D20}" type="slidenum">
               <a:rPr lang="de-DE" smtClean="0"/>
-              <a:t>7</a:t>
+              <a:t>8</a:t>
             </a:fld>
             <a:endParaRPr lang="de-DE" dirty="0"/>
           </a:p>
@@ -2108,7 +2109,7 @@
             <a:pPr rtl="0"/>
             <a:fld id="{5FD34AC2-3728-4A8B-B58F-6888FAEC3D20}" type="slidenum">
               <a:rPr lang="de-DE" smtClean="0"/>
-              <a:t>8</a:t>
+              <a:t>9</a:t>
             </a:fld>
             <a:endParaRPr lang="de-DE" dirty="0"/>
           </a:p>
@@ -2261,7 +2262,7 @@
             <a:pPr rtl="0"/>
             <a:fld id="{BB5A12BF-D6F0-407A-AE7A-8865A691B30B}" type="datetime1">
               <a:rPr lang="de-DE" noProof="0" smtClean="0"/>
-              <a:t>04.11.2021</a:t>
+              <a:t>17.11.2021</a:t>
             </a:fld>
             <a:endParaRPr lang="de-DE" noProof="0" dirty="0"/>
           </a:p>
@@ -2523,7 +2524,7 @@
             <a:pPr rtl="0"/>
             <a:fld id="{875125CE-31DE-4DE5-8258-3A8744281D72}" type="datetime1">
               <a:rPr lang="de-DE" noProof="0" smtClean="0"/>
-              <a:t>04.11.2021</a:t>
+              <a:t>17.11.2021</a:t>
             </a:fld>
             <a:endParaRPr lang="de-DE" noProof="0" dirty="0"/>
           </a:p>
@@ -2697,7 +2698,7 @@
             <a:pPr rtl="0"/>
             <a:fld id="{4FBF0C91-9943-49A6-85A4-F3BF107E47AD}" type="datetime1">
               <a:rPr lang="de-DE" noProof="0" smtClean="0"/>
-              <a:t>04.11.2021</a:t>
+              <a:t>17.11.2021</a:t>
             </a:fld>
             <a:endParaRPr lang="de-DE" noProof="0" dirty="0"/>
           </a:p>
@@ -2881,7 +2882,7 @@
             <a:pPr rtl="0"/>
             <a:fld id="{8C5891E8-9E95-4467-BED0-F8AAEF8D9A9B}" type="datetime1">
               <a:rPr lang="de-DE" noProof="0" smtClean="0"/>
-              <a:t>04.11.2021</a:t>
+              <a:t>17.11.2021</a:t>
             </a:fld>
             <a:endParaRPr lang="de-DE" noProof="0" dirty="0"/>
           </a:p>
@@ -3055,7 +3056,7 @@
             <a:pPr rtl="0"/>
             <a:fld id="{854B212C-B905-4204-B62F-E8E06329BC54}" type="datetime1">
               <a:rPr lang="de-DE" noProof="0" smtClean="0"/>
-              <a:t>04.11.2021</a:t>
+              <a:t>17.11.2021</a:t>
             </a:fld>
             <a:endParaRPr lang="de-DE" noProof="0" dirty="0"/>
           </a:p>
@@ -3305,7 +3306,7 @@
             <a:pPr rtl="0"/>
             <a:fld id="{AA39DC7C-431C-49AD-8BEB-3A6A7CA96EC1}" type="datetime1">
               <a:rPr lang="de-DE" noProof="0" smtClean="0"/>
-              <a:t>04.11.2021</a:t>
+              <a:t>17.11.2021</a:t>
             </a:fld>
             <a:endParaRPr lang="de-DE" noProof="0" dirty="0"/>
           </a:p>
@@ -3541,7 +3542,7 @@
             <a:pPr rtl="0"/>
             <a:fld id="{7D20CEC8-C47B-464B-B000-FFFA0189EAE4}" type="datetime1">
               <a:rPr lang="de-DE" noProof="0" smtClean="0"/>
-              <a:t>04.11.2021</a:t>
+              <a:t>17.11.2021</a:t>
             </a:fld>
             <a:endParaRPr lang="de-DE" noProof="0" dirty="0"/>
           </a:p>
@@ -3912,7 +3913,7 @@
             <a:pPr rtl="0"/>
             <a:fld id="{179EF80A-F254-4098-A979-7AEEA24F30B2}" type="datetime1">
               <a:rPr lang="de-DE" noProof="0" smtClean="0"/>
-              <a:t>04.11.2021</a:t>
+              <a:t>17.11.2021</a:t>
             </a:fld>
             <a:endParaRPr lang="de-DE" noProof="0" dirty="0"/>
           </a:p>
@@ -4034,7 +4035,7 @@
             <a:pPr rtl="0"/>
             <a:fld id="{40D8D008-F6B9-467C-A7C0-1BAD5B61C03F}" type="datetime1">
               <a:rPr lang="de-DE" noProof="0" smtClean="0"/>
-              <a:t>04.11.2021</a:t>
+              <a:t>17.11.2021</a:t>
             </a:fld>
             <a:endParaRPr lang="de-DE" noProof="0" dirty="0"/>
           </a:p>
@@ -4132,7 +4133,7 @@
             <a:pPr rtl="0"/>
             <a:fld id="{A1647DEE-0284-46DC-9342-E8AD8D0E79B1}" type="datetime1">
               <a:rPr lang="de-DE" noProof="0" smtClean="0"/>
-              <a:t>04.11.2021</a:t>
+              <a:t>17.11.2021</a:t>
             </a:fld>
             <a:endParaRPr lang="de-DE" noProof="0" dirty="0"/>
           </a:p>
@@ -4439,7 +4440,7 @@
             <a:pPr rtl="0"/>
             <a:fld id="{A9A78B8A-98F5-4D5C-AF9C-09887B7C3520}" type="datetime1">
               <a:rPr lang="de-DE" noProof="0" smtClean="0"/>
-              <a:t>04.11.2021</a:t>
+              <a:t>17.11.2021</a:t>
             </a:fld>
             <a:endParaRPr lang="de-DE" noProof="0" dirty="0"/>
           </a:p>
@@ -5138,7 +5139,7 @@
             <a:pPr rtl="0"/>
             <a:fld id="{583FE5D3-80A0-435E-8B7C-8DB39401B58A}" type="datetime1">
               <a:rPr lang="de-DE" noProof="0" smtClean="0"/>
-              <a:t>04.11.2021</a:t>
+              <a:t>17.11.2021</a:t>
             </a:fld>
             <a:endParaRPr lang="de-DE" noProof="0" dirty="0"/>
           </a:p>
@@ -5353,7 +5354,7 @@
             <a:pPr rtl="0"/>
             <a:fld id="{EB2962B4-671A-4096-8CEA-B3061EA2E548}" type="datetime1">
               <a:rPr lang="de-DE" noProof="0" smtClean="0"/>
-              <a:t>04.11.2021</a:t>
+              <a:t>17.11.2021</a:t>
             </a:fld>
             <a:endParaRPr lang="de-DE" noProof="0" dirty="0"/>
           </a:p>
@@ -6877,7 +6878,15 @@
             </a:pPr>
             <a:r>
               <a:rPr lang="en-GB" dirty="0"/>
-              <a:t>CREATE TABLE fact (</a:t>
+              <a:t>CREATE TABLE </a:t>
+            </a:r>
+            <a:r>
+              <a:rPr lang="en-GB" dirty="0" err="1"/>
+              <a:t>fact_vpi</a:t>
+            </a:r>
+            <a:r>
+              <a:rPr lang="en-GB" dirty="0"/>
+              <a:t> (</a:t>
             </a:r>
           </a:p>
           <a:p>
@@ -6982,7 +6991,15 @@
             </a:pPr>
             <a:r>
               <a:rPr lang="en-GB" dirty="0"/>
-              <a:t>    fact (</a:t>
+              <a:t>    </a:t>
+            </a:r>
+            <a:r>
+              <a:rPr lang="en-GB" dirty="0" err="1"/>
+              <a:t>fact_vpi</a:t>
+            </a:r>
+            <a:r>
+              <a:rPr lang="en-GB" dirty="0"/>
+              <a:t> (</a:t>
             </a:r>
           </a:p>
           <a:p>
@@ -7032,7 +7049,15 @@
             </a:pPr>
             <a:r>
               <a:rPr lang="en-GB" dirty="0"/>
-              <a:t>ALTER TABLE fact ADD CONSTRAINT </a:t>
+              <a:t>ALTER TABLE </a:t>
+            </a:r>
+            <a:r>
+              <a:rPr lang="en-GB" dirty="0" err="1"/>
+              <a:t>fact_vpi</a:t>
+            </a:r>
+            <a:r>
+              <a:rPr lang="en-GB" dirty="0"/>
+              <a:t> ADD CONSTRAINT </a:t>
             </a:r>
             <a:r>
               <a:rPr lang="en-GB" dirty="0" err="1"/>
@@ -7042,15 +7067,6 @@
               <a:rPr lang="en-GB" dirty="0"/>
               <a:t> PRIMARY KEY ( id );</a:t>
             </a:r>
-          </a:p>
-          <a:p>
-            <a:pPr marL="0" indent="0">
-              <a:spcBef>
-                <a:spcPts val="600"/>
-              </a:spcBef>
-              <a:buNone/>
-            </a:pPr>
-            <a:endParaRPr lang="en-GB" dirty="0"/>
           </a:p>
         </p:txBody>
       </p:sp>
@@ -7123,7 +7139,15 @@
             </a:pPr>
             <a:r>
               <a:rPr lang="en-GB" dirty="0"/>
-              <a:t>CREATE TABLE time (</a:t>
+              <a:t>CREATE TABLE </a:t>
+            </a:r>
+            <a:r>
+              <a:rPr lang="en-GB" dirty="0" err="1"/>
+              <a:t>time_vpi</a:t>
+            </a:r>
+            <a:r>
+              <a:rPr lang="en-GB" dirty="0"/>
+              <a:t> (</a:t>
             </a:r>
           </a:p>
           <a:p>
@@ -7232,7 +7256,15 @@
             </a:pPr>
             <a:r>
               <a:rPr lang="en-GB" dirty="0"/>
-              <a:t>    time (</a:t>
+              <a:t>    </a:t>
+            </a:r>
+            <a:r>
+              <a:rPr lang="en-GB" dirty="0" err="1"/>
+              <a:t>time_vpi</a:t>
+            </a:r>
+            <a:r>
+              <a:rPr lang="en-GB" dirty="0"/>
+              <a:t> (</a:t>
             </a:r>
           </a:p>
           <a:p>
@@ -7282,7 +7314,15 @@
             </a:pPr>
             <a:r>
               <a:rPr lang="en-GB" dirty="0"/>
-              <a:t>ALTER TABLE time ADD CONSTRAINT </a:t>
+              <a:t>ALTER TABLE </a:t>
+            </a:r>
+            <a:r>
+              <a:rPr lang="en-GB" dirty="0" err="1"/>
+              <a:t>time_vpi</a:t>
+            </a:r>
+            <a:r>
+              <a:rPr lang="en-GB" dirty="0"/>
+              <a:t> ADD CONSTRAINT </a:t>
             </a:r>
             <a:r>
               <a:rPr lang="en-GB" dirty="0" err="1"/>
@@ -7582,7 +7622,7 @@
         </p:spPr>
         <p:txBody>
           <a:bodyPr>
-            <a:normAutofit fontScale="77500" lnSpcReduction="20000"/>
+            <a:normAutofit fontScale="55000" lnSpcReduction="20000"/>
           </a:bodyPr>
           <a:lstStyle/>
           <a:p>
@@ -7623,6 +7663,40 @@
             <a:pPr marL="0" indent="0">
               <a:buNone/>
             </a:pPr>
+            <a:r>
+              <a:rPr lang="en-US" dirty="0"/>
+              <a:t>drop SEQUENCE </a:t>
+            </a:r>
+            <a:r>
+              <a:rPr lang="en-US" dirty="0" err="1"/>
+              <a:t>fact_id_seq</a:t>
+            </a:r>
+            <a:r>
+              <a:rPr lang="en-US" dirty="0"/>
+              <a:t>;</a:t>
+            </a:r>
+          </a:p>
+          <a:p>
+            <a:pPr marL="0" indent="0">
+              <a:buNone/>
+            </a:pPr>
+            <a:r>
+              <a:rPr lang="en-US" dirty="0"/>
+              <a:t>drop SEQUENCE </a:t>
+            </a:r>
+            <a:r>
+              <a:rPr lang="en-US" dirty="0" err="1"/>
+              <a:t>time_id_seq</a:t>
+            </a:r>
+            <a:r>
+              <a:rPr lang="en-US" dirty="0"/>
+              <a:t>;</a:t>
+            </a:r>
+          </a:p>
+          <a:p>
+            <a:pPr marL="0" indent="0">
+              <a:buNone/>
+            </a:pPr>
             <a:endParaRPr lang="en-US" dirty="0"/>
           </a:p>
           <a:p>
@@ -7679,7 +7753,26 @@
             <a:pPr marL="0" indent="0">
               <a:buNone/>
             </a:pPr>
-            <a:endParaRPr lang="en-US" dirty="0"/>
+            <a:r>
+              <a:rPr lang="en-US" dirty="0"/>
+              <a:t>create SEQUENCE </a:t>
+            </a:r>
+            <a:r>
+              <a:rPr lang="en-US" dirty="0" err="1"/>
+              <a:t>fact_id_seq</a:t>
+            </a:r>
+            <a:r>
+              <a:rPr lang="en-US" dirty="0"/>
+              <a:t> </a:t>
+            </a:r>
+            <a:r>
+              <a:rPr lang="en-US" dirty="0" err="1"/>
+              <a:t>minvalue</a:t>
+            </a:r>
+            <a:r>
+              <a:rPr lang="en-US" dirty="0"/>
+              <a:t> 1 START with 1 increment by 1;</a:t>
+            </a:r>
           </a:p>
           <a:p>
             <a:pPr marL="0" indent="0">
@@ -7687,16 +7780,23 @@
             </a:pPr>
             <a:r>
               <a:rPr lang="en-US" dirty="0"/>
-              <a:t>truncate table fact cascade;</a:t>
-            </a:r>
-          </a:p>
-          <a:p>
-            <a:pPr marL="0" indent="0">
-              <a:buNone/>
-            </a:pPr>
+              <a:t>create SEQUENCE </a:t>
+            </a:r>
+            <a:r>
+              <a:rPr lang="en-US" dirty="0" err="1"/>
+              <a:t>time_id_seq</a:t>
+            </a:r>
             <a:r>
               <a:rPr lang="en-US" dirty="0"/>
-              <a:t>truncate table time cascade;</a:t>
+              <a:t> </a:t>
+            </a:r>
+            <a:r>
+              <a:rPr lang="en-US" dirty="0" err="1"/>
+              <a:t>minvalue</a:t>
+            </a:r>
+            <a:r>
+              <a:rPr lang="en-US" dirty="0"/>
+              <a:t> 1 START with 1 increment by 1;</a:t>
             </a:r>
           </a:p>
           <a:p>
@@ -7711,7 +7811,55 @@
             </a:pPr>
             <a:r>
               <a:rPr lang="en-US" dirty="0"/>
-              <a:t>insert into fact(id, </a:t>
+              <a:t>truncate table </a:t>
+            </a:r>
+            <a:r>
+              <a:rPr lang="en-US" dirty="0" err="1"/>
+              <a:t>fact_vpi</a:t>
+            </a:r>
+            <a:r>
+              <a:rPr lang="en-US" dirty="0"/>
+              <a:t> cascade;</a:t>
+            </a:r>
+          </a:p>
+          <a:p>
+            <a:pPr marL="0" indent="0">
+              <a:buNone/>
+            </a:pPr>
+            <a:r>
+              <a:rPr lang="en-US" dirty="0"/>
+              <a:t>truncate table </a:t>
+            </a:r>
+            <a:r>
+              <a:rPr lang="en-US" dirty="0" err="1"/>
+              <a:t>time_vpi</a:t>
+            </a:r>
+            <a:r>
+              <a:rPr lang="en-US" dirty="0"/>
+              <a:t> cascade;</a:t>
+            </a:r>
+          </a:p>
+          <a:p>
+            <a:pPr marL="0" indent="0">
+              <a:buNone/>
+            </a:pPr>
+            <a:endParaRPr lang="en-US" dirty="0"/>
+          </a:p>
+          <a:p>
+            <a:pPr marL="0" indent="0">
+              <a:buNone/>
+            </a:pPr>
+            <a:r>
+              <a:rPr lang="en-US" dirty="0"/>
+              <a:t>insert into </a:t>
+            </a:r>
+            <a:r>
+              <a:rPr lang="en-US" dirty="0" err="1"/>
+              <a:t>fact_vpi</a:t>
+            </a:r>
+            <a:r>
+              <a:rPr lang="en-US" dirty="0"/>
+              <a:t>(id, </a:t>
             </a:r>
             <a:r>
               <a:rPr lang="en-US" dirty="0" err="1"/>
@@ -7719,6 +7867,14 @@
             </a:r>
             <a:r>
               <a:rPr lang="en-US" dirty="0"/>
+              <a:t>, </a:t>
+            </a:r>
+            <a:r>
+              <a:rPr lang="en-US" dirty="0" err="1"/>
+              <a:t>time_id</a:t>
+            </a:r>
+            <a:r>
+              <a:rPr lang="en-US" dirty="0"/>
               <a:t>) select </a:t>
             </a:r>
             <a:r>
@@ -7735,6 +7891,14 @@
             </a:r>
             <a:r>
               <a:rPr lang="en-US" dirty="0"/>
+              <a:t>, </a:t>
+            </a:r>
+            <a:r>
+              <a:rPr lang="en-US" dirty="0" err="1"/>
+              <a:t>time_id_seq.nextval</a:t>
+            </a:r>
+            <a:r>
+              <a:rPr lang="en-US" dirty="0"/>
               <a:t> from </a:t>
             </a:r>
             <a:r>
@@ -7760,7 +7924,23 @@
             </a:pPr>
             <a:r>
               <a:rPr lang="en-US" dirty="0"/>
-              <a:t>insert into time(id, year, month) select </a:t>
+              <a:t>insert into </a:t>
+            </a:r>
+            <a:r>
+              <a:rPr lang="en-US" dirty="0" err="1"/>
+              <a:t>time_vpi</a:t>
+            </a:r>
+            <a:r>
+              <a:rPr lang="en-US" dirty="0"/>
+              <a:t>(id, year, month, </a:t>
+            </a:r>
+            <a:r>
+              <a:rPr lang="en-US" dirty="0" err="1"/>
+              <a:t>fact_id</a:t>
+            </a:r>
+            <a:r>
+              <a:rPr lang="en-US" dirty="0"/>
+              <a:t>) select </a:t>
             </a:r>
             <a:r>
               <a:rPr lang="en-US" dirty="0" err="1"/>
@@ -7781,6 +7961,14 @@
             <a:r>
               <a:rPr lang="en-US" dirty="0" err="1"/>
               <a:t>st.month</a:t>
+            </a:r>
+            <a:r>
+              <a:rPr lang="en-US" dirty="0"/>
+              <a:t>, </a:t>
+            </a:r>
+            <a:r>
+              <a:rPr lang="en-US" dirty="0" err="1"/>
+              <a:t>fact_id_seq.nextval</a:t>
             </a:r>
             <a:r>
               <a:rPr lang="en-US" dirty="0"/>
@@ -7819,6 +8007,270 @@
 </file>
 
 <file path=ppt/slides/slide7.xml><?xml version="1.0" encoding="utf-8"?>
+<p:sld xmlns:a="http://schemas.openxmlformats.org/drawingml/2006/main" xmlns:r="http://schemas.openxmlformats.org/officeDocument/2006/relationships" xmlns:p="http://schemas.openxmlformats.org/presentationml/2006/main">
+  <p:cSld>
+    <p:spTree>
+      <p:nvGrpSpPr>
+        <p:cNvPr id="1" name=""/>
+        <p:cNvGrpSpPr/>
+        <p:nvPr/>
+      </p:nvGrpSpPr>
+      <p:grpSpPr>
+        <a:xfrm>
+          <a:off x="0" y="0"/>
+          <a:ext cx="0" cy="0"/>
+          <a:chOff x="0" y="0"/>
+          <a:chExt cx="0" cy="0"/>
+        </a:xfrm>
+      </p:grpSpPr>
+      <p:sp>
+        <p:nvSpPr>
+          <p:cNvPr id="2" name="Titel 1">
+            <a:extLst>
+              <a:ext uri="{FF2B5EF4-FFF2-40B4-BE49-F238E27FC236}">
+                <a16:creationId xmlns:a16="http://schemas.microsoft.com/office/drawing/2014/main" id="{9143E6B3-46E5-43FF-B018-379910144BA6}"/>
+              </a:ext>
+            </a:extLst>
+          </p:cNvPr>
+          <p:cNvSpPr>
+            <a:spLocks noGrp="1"/>
+          </p:cNvSpPr>
+          <p:nvPr>
+            <p:ph type="title"/>
+          </p:nvPr>
+        </p:nvSpPr>
+        <p:spPr/>
+        <p:txBody>
+          <a:bodyPr/>
+          <a:lstStyle/>
+          <a:p>
+            <a:r>
+              <a:rPr lang="en-US" dirty="0"/>
+              <a:t>Pivot-Table</a:t>
+            </a:r>
+          </a:p>
+        </p:txBody>
+      </p:sp>
+      <p:sp>
+        <p:nvSpPr>
+          <p:cNvPr id="3" name="Inhaltsplatzhalter 2">
+            <a:extLst>
+              <a:ext uri="{FF2B5EF4-FFF2-40B4-BE49-F238E27FC236}">
+                <a16:creationId xmlns:a16="http://schemas.microsoft.com/office/drawing/2014/main" id="{5BD5D7AC-C7D5-4CD2-A3F2-D1B15DA13119}"/>
+              </a:ext>
+            </a:extLst>
+          </p:cNvPr>
+          <p:cNvSpPr>
+            <a:spLocks noGrp="1"/>
+          </p:cNvSpPr>
+          <p:nvPr>
+            <p:ph idx="1"/>
+          </p:nvPr>
+        </p:nvSpPr>
+        <p:spPr/>
+        <p:txBody>
+          <a:bodyPr>
+            <a:normAutofit fontScale="55000" lnSpcReduction="20000"/>
+          </a:bodyPr>
+          <a:lstStyle/>
+          <a:p>
+            <a:pPr marL="0" indent="0">
+              <a:buNone/>
+            </a:pPr>
+            <a:r>
+              <a:rPr lang="en-US" dirty="0"/>
+              <a:t>Select * from </a:t>
+            </a:r>
+          </a:p>
+          <a:p>
+            <a:pPr marL="0" indent="0">
+              <a:buNone/>
+            </a:pPr>
+            <a:r>
+              <a:rPr lang="en-US" dirty="0"/>
+              <a:t>(</a:t>
+            </a:r>
+          </a:p>
+          <a:p>
+            <a:pPr marL="0" indent="0">
+              <a:buNone/>
+            </a:pPr>
+            <a:r>
+              <a:rPr lang="en-US" dirty="0"/>
+              <a:t>Select </a:t>
+            </a:r>
+            <a:r>
+              <a:rPr lang="en-US" dirty="0" err="1"/>
+              <a:t>t.month</a:t>
+            </a:r>
+            <a:r>
+              <a:rPr lang="en-US" dirty="0"/>
+              <a:t>, </a:t>
+            </a:r>
+            <a:r>
+              <a:rPr lang="en-US" dirty="0" err="1"/>
+              <a:t>t.year</a:t>
+            </a:r>
+            <a:r>
+              <a:rPr lang="en-US" dirty="0"/>
+              <a:t>, </a:t>
+            </a:r>
+            <a:r>
+              <a:rPr lang="en-US" dirty="0" err="1"/>
+              <a:t>f.vpi</a:t>
+            </a:r>
+            <a:r>
+              <a:rPr lang="en-US" dirty="0"/>
+              <a:t> </a:t>
+            </a:r>
+          </a:p>
+          <a:p>
+            <a:pPr marL="0" indent="0">
+              <a:buNone/>
+            </a:pPr>
+            <a:r>
+              <a:rPr lang="en-US" dirty="0"/>
+              <a:t>from </a:t>
+            </a:r>
+            <a:r>
+              <a:rPr lang="en-US" dirty="0" err="1"/>
+              <a:t>time_vpi</a:t>
+            </a:r>
+            <a:r>
+              <a:rPr lang="en-US" dirty="0"/>
+              <a:t> t join </a:t>
+            </a:r>
+            <a:r>
+              <a:rPr lang="en-US" dirty="0" err="1"/>
+              <a:t>fact_vpi</a:t>
+            </a:r>
+            <a:r>
+              <a:rPr lang="en-US" dirty="0"/>
+              <a:t> f on (</a:t>
+            </a:r>
+            <a:r>
+              <a:rPr lang="en-US" dirty="0" err="1"/>
+              <a:t>f.time_id</a:t>
+            </a:r>
+            <a:r>
+              <a:rPr lang="en-US" dirty="0"/>
+              <a:t> = t.id))</a:t>
+            </a:r>
+          </a:p>
+          <a:p>
+            <a:pPr marL="0" indent="0">
+              <a:buNone/>
+            </a:pPr>
+            <a:r>
+              <a:rPr lang="en-US" dirty="0"/>
+              <a:t>pivot(</a:t>
+            </a:r>
+          </a:p>
+          <a:p>
+            <a:pPr marL="0" indent="0">
+              <a:buNone/>
+            </a:pPr>
+            <a:r>
+              <a:rPr lang="en-US" dirty="0"/>
+              <a:t>    avg(</a:t>
+            </a:r>
+            <a:r>
+              <a:rPr lang="en-US" dirty="0" err="1"/>
+              <a:t>vpi</a:t>
+            </a:r>
+            <a:r>
+              <a:rPr lang="en-US" dirty="0"/>
+              <a:t>)</a:t>
+            </a:r>
+          </a:p>
+          <a:p>
+            <a:pPr marL="0" indent="0">
+              <a:buNone/>
+            </a:pPr>
+            <a:r>
+              <a:rPr lang="en-US" dirty="0"/>
+              <a:t>    for year in ('1967', '1968', '1969',</a:t>
+            </a:r>
+          </a:p>
+          <a:p>
+            <a:pPr marL="0" indent="0">
+              <a:buNone/>
+            </a:pPr>
+            <a:r>
+              <a:rPr lang="en-US" dirty="0"/>
+              <a:t>                 '1970', '1971', '1972', '1973', '1974', '1975', '1976', '1977', '1978', '1979',</a:t>
+            </a:r>
+          </a:p>
+          <a:p>
+            <a:pPr marL="0" indent="0">
+              <a:buNone/>
+            </a:pPr>
+            <a:r>
+              <a:rPr lang="en-US" dirty="0"/>
+              <a:t>                 '1980', '1981', '1982', '1983', '1984', '1985', '1986', '1987', '1988', '1989',</a:t>
+            </a:r>
+          </a:p>
+          <a:p>
+            <a:pPr marL="0" indent="0">
+              <a:buNone/>
+            </a:pPr>
+            <a:r>
+              <a:rPr lang="en-US" dirty="0"/>
+              <a:t>                 '1990', '1991', '1992', '1993', '1994', '1995', '1996', '1997', '1998', '1999',</a:t>
+            </a:r>
+          </a:p>
+          <a:p>
+            <a:pPr marL="0" indent="0">
+              <a:buNone/>
+            </a:pPr>
+            <a:r>
+              <a:rPr lang="en-US" dirty="0"/>
+              <a:t>                 '2000', '2001', '2002', '2003', '2004', '2005', '2006', '2007', '2008', '2009',</a:t>
+            </a:r>
+          </a:p>
+          <a:p>
+            <a:pPr marL="0" indent="0">
+              <a:buNone/>
+            </a:pPr>
+            <a:r>
+              <a:rPr lang="en-US" dirty="0"/>
+              <a:t>                 '2010', '2011', '2012', '2013', '2014', '2015', '2016', '2017', '2018', '2019',</a:t>
+            </a:r>
+          </a:p>
+          <a:p>
+            <a:pPr marL="0" indent="0">
+              <a:buNone/>
+            </a:pPr>
+            <a:r>
+              <a:rPr lang="en-US" dirty="0"/>
+              <a:t>                 '2020', '2021')</a:t>
+            </a:r>
+          </a:p>
+          <a:p>
+            <a:pPr marL="0" indent="0">
+              <a:buNone/>
+            </a:pPr>
+            <a:r>
+              <a:rPr lang="en-US" dirty="0"/>
+              <a:t>);</a:t>
+            </a:r>
+          </a:p>
+        </p:txBody>
+      </p:sp>
+    </p:spTree>
+    <p:extLst>
+      <p:ext uri="{BB962C8B-B14F-4D97-AF65-F5344CB8AC3E}">
+        <p14:creationId xmlns:p14="http://schemas.microsoft.com/office/powerpoint/2010/main" val="818994111"/>
+      </p:ext>
+    </p:extLst>
+  </p:cSld>
+  <p:clrMapOvr>
+    <a:masterClrMapping/>
+  </p:clrMapOvr>
+</p:sld>
+</file>
+
+<file path=ppt/slides/slide8.xml><?xml version="1.0" encoding="utf-8"?>
 <p:sld xmlns:a="http://schemas.openxmlformats.org/drawingml/2006/main" xmlns:r="http://schemas.openxmlformats.org/officeDocument/2006/relationships" xmlns:p="http://schemas.openxmlformats.org/presentationml/2006/main">
   <p:cSld>
     <p:spTree>
@@ -8181,7 +8633,7 @@
 </p:sld>
 </file>
 
-<file path=ppt/slides/slide8.xml><?xml version="1.0" encoding="utf-8"?>
+<file path=ppt/slides/slide9.xml><?xml version="1.0" encoding="utf-8"?>
 <p:sld xmlns:a="http://schemas.openxmlformats.org/drawingml/2006/main" xmlns:r="http://schemas.openxmlformats.org/officeDocument/2006/relationships" xmlns:p="http://schemas.openxmlformats.org/presentationml/2006/main">
   <p:cSld>
     <p:spTree>

--- a/VPI_Presentation.pptx
+++ b/VPI_Presentation.pptx
@@ -5,10 +5,10 @@
     <p:sldMasterId id="2147483672" r:id="rId1"/>
   </p:sldMasterIdLst>
   <p:notesMasterIdLst>
-    <p:notesMasterId r:id="rId11"/>
+    <p:notesMasterId r:id="rId12"/>
   </p:notesMasterIdLst>
   <p:handoutMasterIdLst>
-    <p:handoutMasterId r:id="rId12"/>
+    <p:handoutMasterId r:id="rId13"/>
   </p:handoutMasterIdLst>
   <p:sldIdLst>
     <p:sldId id="257" r:id="rId2"/>
@@ -18,8 +18,9 @@
     <p:sldId id="274" r:id="rId6"/>
     <p:sldId id="275" r:id="rId7"/>
     <p:sldId id="276" r:id="rId8"/>
-    <p:sldId id="270" r:id="rId9"/>
-    <p:sldId id="266" r:id="rId10"/>
+    <p:sldId id="277" r:id="rId9"/>
+    <p:sldId id="270" r:id="rId10"/>
+    <p:sldId id="266" r:id="rId11"/>
   </p:sldIdLst>
   <p:sldSz cx="12192000" cy="6858000"/>
   <p:notesSz cx="6858000" cy="9144000"/>
@@ -2023,7 +2024,7 @@
             <a:pPr rtl="0"/>
             <a:fld id="{5FD34AC2-3728-4A8B-B58F-6888FAEC3D20}" type="slidenum">
               <a:rPr lang="de-DE" smtClean="0"/>
-              <a:t>8</a:t>
+              <a:t>9</a:t>
             </a:fld>
             <a:endParaRPr lang="de-DE" dirty="0"/>
           </a:p>
@@ -2109,7 +2110,7 @@
             <a:pPr rtl="0"/>
             <a:fld id="{5FD34AC2-3728-4A8B-B58F-6888FAEC3D20}" type="slidenum">
               <a:rPr lang="de-DE" smtClean="0"/>
-              <a:t>9</a:t>
+              <a:t>10</a:t>
             </a:fld>
             <a:endParaRPr lang="de-DE" dirty="0"/>
           </a:p>
@@ -6219,6 +6220,482 @@
 </p:sld>
 </file>
 
+<file path=ppt/slides/slide10.xml><?xml version="1.0" encoding="utf-8"?>
+<p:sld xmlns:a="http://schemas.openxmlformats.org/drawingml/2006/main" xmlns:r="http://schemas.openxmlformats.org/officeDocument/2006/relationships" xmlns:p="http://schemas.openxmlformats.org/presentationml/2006/main">
+  <p:cSld>
+    <p:spTree>
+      <p:nvGrpSpPr>
+        <p:cNvPr id="1" name=""/>
+        <p:cNvGrpSpPr/>
+        <p:nvPr/>
+      </p:nvGrpSpPr>
+      <p:grpSpPr>
+        <a:xfrm>
+          <a:off x="0" y="0"/>
+          <a:ext cx="0" cy="0"/>
+          <a:chOff x="0" y="0"/>
+          <a:chExt cx="0" cy="0"/>
+        </a:xfrm>
+      </p:grpSpPr>
+      <p:pic>
+        <p:nvPicPr>
+          <p:cNvPr id="6" name="Bild 5">
+            <a:extLst>
+              <a:ext uri="{C183D7F6-B498-43B3-948B-1728B52AA6E4}">
+                <adec:decorative xmlns:adec="http://schemas.microsoft.com/office/drawing/2017/decorative" val="1"/>
+              </a:ext>
+            </a:extLst>
+          </p:cNvPr>
+          <p:cNvPicPr>
+            <a:picLocks noChangeAspect="1"/>
+          </p:cNvPicPr>
+          <p:nvPr/>
+        </p:nvPicPr>
+        <p:blipFill>
+          <a:blip r:embed="rId3" cstate="print">
+            <a:extLst>
+              <a:ext uri="{28A0092B-C50C-407E-A947-70E740481C1C}">
+                <a14:useLocalDpi xmlns:a14="http://schemas.microsoft.com/office/drawing/2010/main" val="0"/>
+              </a:ext>
+            </a:extLst>
+          </a:blip>
+          <a:srcRect/>
+          <a:stretch>
+            <a:fillRect/>
+          </a:stretch>
+        </p:blipFill>
+        <p:spPr>
+          <a:xfrm>
+            <a:off x="0" y="2"/>
+            <a:ext cx="12192000" cy="6857999"/>
+          </a:xfrm>
+          <a:custGeom>
+            <a:avLst/>
+            <a:gdLst>
+              <a:gd name="connsiteX0" fmla="*/ 0 w 12192000"/>
+              <a:gd name="connsiteY0" fmla="*/ 0 h 6857999"/>
+              <a:gd name="connsiteX1" fmla="*/ 12192000 w 12192000"/>
+              <a:gd name="connsiteY1" fmla="*/ 0 h 6857999"/>
+              <a:gd name="connsiteX2" fmla="*/ 12192000 w 12192000"/>
+              <a:gd name="connsiteY2" fmla="*/ 6857999 h 6857999"/>
+              <a:gd name="connsiteX3" fmla="*/ 0 w 12192000"/>
+              <a:gd name="connsiteY3" fmla="*/ 6857999 h 6857999"/>
+            </a:gdLst>
+            <a:ahLst/>
+            <a:cxnLst>
+              <a:cxn ang="0">
+                <a:pos x="connsiteX0" y="connsiteY0"/>
+              </a:cxn>
+              <a:cxn ang="0">
+                <a:pos x="connsiteX1" y="connsiteY1"/>
+              </a:cxn>
+              <a:cxn ang="0">
+                <a:pos x="connsiteX2" y="connsiteY2"/>
+              </a:cxn>
+              <a:cxn ang="0">
+                <a:pos x="connsiteX3" y="connsiteY3"/>
+              </a:cxn>
+            </a:cxnLst>
+            <a:rect l="l" t="t" r="r" b="b"/>
+            <a:pathLst>
+              <a:path w="12192000" h="6857999">
+                <a:moveTo>
+                  <a:pt x="0" y="0"/>
+                </a:moveTo>
+                <a:lnTo>
+                  <a:pt x="12192000" y="0"/>
+                </a:lnTo>
+                <a:lnTo>
+                  <a:pt x="12192000" y="6857999"/>
+                </a:lnTo>
+                <a:lnTo>
+                  <a:pt x="0" y="6857999"/>
+                </a:lnTo>
+                <a:close/>
+              </a:path>
+            </a:pathLst>
+          </a:custGeom>
+        </p:spPr>
+      </p:pic>
+      <p:sp>
+        <p:nvSpPr>
+          <p:cNvPr id="5" name="Rechteck 4">
+            <a:extLst>
+              <a:ext uri="{C183D7F6-B498-43B3-948B-1728B52AA6E4}">
+                <adec:decorative xmlns:adec="http://schemas.microsoft.com/office/drawing/2017/decorative" val="1"/>
+              </a:ext>
+            </a:extLst>
+          </p:cNvPr>
+          <p:cNvSpPr/>
+          <p:nvPr/>
+        </p:nvSpPr>
+        <p:spPr>
+          <a:xfrm>
+            <a:off x="0" y="0"/>
+            <a:ext cx="12192000" cy="6858000"/>
+          </a:xfrm>
+          <a:prstGeom prst="rect">
+            <a:avLst/>
+          </a:prstGeom>
+          <a:gradFill flip="none" rotWithShape="0">
+            <a:gsLst>
+              <a:gs pos="100000">
+                <a:srgbClr val="1F2229">
+                  <a:alpha val="60000"/>
+                </a:srgbClr>
+              </a:gs>
+              <a:gs pos="20000">
+                <a:srgbClr val="1F2229">
+                  <a:alpha val="91765"/>
+                </a:srgbClr>
+              </a:gs>
+            </a:gsLst>
+            <a:lin ang="16200000" scaled="1"/>
+            <a:tileRect/>
+          </a:gradFill>
+          <a:ln>
+            <a:noFill/>
+          </a:ln>
+        </p:spPr>
+        <p:style>
+          <a:lnRef idx="2">
+            <a:schemeClr val="accent1">
+              <a:shade val="50000"/>
+            </a:schemeClr>
+          </a:lnRef>
+          <a:fillRef idx="1">
+            <a:schemeClr val="accent1"/>
+          </a:fillRef>
+          <a:effectRef idx="0">
+            <a:schemeClr val="accent1"/>
+          </a:effectRef>
+          <a:fontRef idx="minor">
+            <a:schemeClr val="lt1"/>
+          </a:fontRef>
+        </p:style>
+        <p:txBody>
+          <a:bodyPr rtlCol="0" anchor="ctr"/>
+          <a:lstStyle/>
+          <a:p>
+            <a:pPr algn="ctr" rtl="0"/>
+            <a:endParaRPr lang="de-DE" dirty="0"/>
+          </a:p>
+        </p:txBody>
+      </p:sp>
+      <p:grpSp>
+        <p:nvGrpSpPr>
+          <p:cNvPr id="21" name="Gruppieren 20">
+            <a:extLst>
+              <a:ext uri="{C183D7F6-B498-43B3-948B-1728B52AA6E4}">
+                <adec:decorative xmlns:adec="http://schemas.microsoft.com/office/drawing/2017/decorative" val="1"/>
+              </a:ext>
+            </a:extLst>
+          </p:cNvPr>
+          <p:cNvGrpSpPr/>
+          <p:nvPr/>
+        </p:nvGrpSpPr>
+        <p:grpSpPr>
+          <a:xfrm>
+            <a:off x="2757714" y="1626921"/>
+            <a:ext cx="6676572" cy="3604160"/>
+            <a:chOff x="2162629" y="1305681"/>
+            <a:chExt cx="7866742" cy="4246640"/>
+          </a:xfrm>
+        </p:grpSpPr>
+        <p:sp>
+          <p:nvSpPr>
+            <p:cNvPr id="17" name="Ellipse 16"/>
+            <p:cNvSpPr/>
+            <p:nvPr/>
+          </p:nvSpPr>
+          <p:spPr>
+            <a:xfrm>
+              <a:off x="5782715" y="1305681"/>
+              <a:ext cx="4246656" cy="4246640"/>
+            </a:xfrm>
+            <a:prstGeom prst="ellipse">
+              <a:avLst/>
+            </a:prstGeom>
+            <a:solidFill>
+              <a:srgbClr val="43CDD9">
+                <a:alpha val="30000"/>
+              </a:srgbClr>
+            </a:solidFill>
+            <a:ln>
+              <a:noFill/>
+            </a:ln>
+          </p:spPr>
+          <p:style>
+            <a:lnRef idx="2">
+              <a:schemeClr val="accent1">
+                <a:shade val="50000"/>
+              </a:schemeClr>
+            </a:lnRef>
+            <a:fillRef idx="1">
+              <a:schemeClr val="accent1"/>
+            </a:fillRef>
+            <a:effectRef idx="0">
+              <a:schemeClr val="accent1"/>
+            </a:effectRef>
+            <a:fontRef idx="minor">
+              <a:schemeClr val="lt1"/>
+            </a:fontRef>
+          </p:style>
+          <p:txBody>
+            <a:bodyPr rtlCol="0" anchor="ctr"/>
+            <a:lstStyle/>
+            <a:p>
+              <a:pPr algn="ctr" rtl="0"/>
+              <a:endParaRPr lang="de-DE" dirty="0"/>
+            </a:p>
+          </p:txBody>
+        </p:sp>
+        <p:sp>
+          <p:nvSpPr>
+            <p:cNvPr id="18" name="Ellipse 17"/>
+            <p:cNvSpPr/>
+            <p:nvPr/>
+          </p:nvSpPr>
+          <p:spPr>
+            <a:xfrm>
+              <a:off x="2162629" y="1305681"/>
+              <a:ext cx="4246656" cy="4246640"/>
+            </a:xfrm>
+            <a:prstGeom prst="ellipse">
+              <a:avLst/>
+            </a:prstGeom>
+            <a:solidFill>
+              <a:srgbClr val="43CDD9">
+                <a:alpha val="30000"/>
+              </a:srgbClr>
+            </a:solidFill>
+            <a:ln>
+              <a:noFill/>
+            </a:ln>
+          </p:spPr>
+          <p:style>
+            <a:lnRef idx="2">
+              <a:schemeClr val="accent1">
+                <a:shade val="50000"/>
+              </a:schemeClr>
+            </a:lnRef>
+            <a:fillRef idx="1">
+              <a:schemeClr val="accent1"/>
+            </a:fillRef>
+            <a:effectRef idx="0">
+              <a:schemeClr val="accent1"/>
+            </a:effectRef>
+            <a:fontRef idx="minor">
+              <a:schemeClr val="lt1"/>
+            </a:fontRef>
+          </p:style>
+          <p:txBody>
+            <a:bodyPr rtlCol="0" anchor="ctr"/>
+            <a:lstStyle/>
+            <a:p>
+              <a:pPr algn="ctr" rtl="0"/>
+              <a:endParaRPr lang="de-DE" dirty="0"/>
+            </a:p>
+          </p:txBody>
+        </p:sp>
+      </p:grpSp>
+      <p:sp>
+        <p:nvSpPr>
+          <p:cNvPr id="16" name="Ellipse 15">
+            <a:extLst>
+              <a:ext uri="{C183D7F6-B498-43B3-948B-1728B52AA6E4}">
+                <adec:decorative xmlns:adec="http://schemas.microsoft.com/office/drawing/2017/decorative" val="1"/>
+              </a:ext>
+            </a:extLst>
+          </p:cNvPr>
+          <p:cNvSpPr/>
+          <p:nvPr/>
+        </p:nvSpPr>
+        <p:spPr>
+          <a:xfrm>
+            <a:off x="3456507" y="789512"/>
+            <a:ext cx="5278993" cy="5278976"/>
+          </a:xfrm>
+          <a:prstGeom prst="ellipse">
+            <a:avLst/>
+          </a:prstGeom>
+          <a:solidFill>
+            <a:schemeClr val="bg1">
+              <a:alpha val="40000"/>
+            </a:schemeClr>
+          </a:solidFill>
+          <a:ln>
+            <a:noFill/>
+          </a:ln>
+        </p:spPr>
+        <p:style>
+          <a:lnRef idx="2">
+            <a:schemeClr val="accent1">
+              <a:shade val="50000"/>
+            </a:schemeClr>
+          </a:lnRef>
+          <a:fillRef idx="1">
+            <a:schemeClr val="accent1"/>
+          </a:fillRef>
+          <a:effectRef idx="0">
+            <a:schemeClr val="accent1"/>
+          </a:effectRef>
+          <a:fontRef idx="minor">
+            <a:schemeClr val="lt1"/>
+          </a:fontRef>
+        </p:style>
+        <p:txBody>
+          <a:bodyPr rtlCol="0" anchor="ctr"/>
+          <a:lstStyle/>
+          <a:p>
+            <a:pPr algn="ctr" rtl="0"/>
+            <a:endParaRPr lang="de-DE" dirty="0">
+              <a:solidFill>
+                <a:schemeClr val="bg1"/>
+              </a:solidFill>
+            </a:endParaRPr>
+          </a:p>
+        </p:txBody>
+      </p:sp>
+      <p:sp>
+        <p:nvSpPr>
+          <p:cNvPr id="19" name="Ellipse 18">
+            <a:extLst>
+              <a:ext uri="{C183D7F6-B498-43B3-948B-1728B52AA6E4}">
+                <adec:decorative xmlns:adec="http://schemas.microsoft.com/office/drawing/2017/decorative" val="1"/>
+              </a:ext>
+            </a:extLst>
+          </p:cNvPr>
+          <p:cNvSpPr/>
+          <p:nvPr/>
+        </p:nvSpPr>
+        <p:spPr>
+          <a:xfrm>
+            <a:off x="3879010" y="1212017"/>
+            <a:ext cx="4433981" cy="4433966"/>
+          </a:xfrm>
+          <a:prstGeom prst="ellipse">
+            <a:avLst/>
+          </a:prstGeom>
+          <a:solidFill>
+            <a:schemeClr val="bg1">
+              <a:alpha val="30000"/>
+            </a:schemeClr>
+          </a:solidFill>
+          <a:ln>
+            <a:noFill/>
+          </a:ln>
+        </p:spPr>
+        <p:style>
+          <a:lnRef idx="2">
+            <a:schemeClr val="accent1">
+              <a:shade val="50000"/>
+            </a:schemeClr>
+          </a:lnRef>
+          <a:fillRef idx="1">
+            <a:schemeClr val="accent1"/>
+          </a:fillRef>
+          <a:effectRef idx="0">
+            <a:schemeClr val="accent1"/>
+          </a:effectRef>
+          <a:fontRef idx="minor">
+            <a:schemeClr val="lt1"/>
+          </a:fontRef>
+        </p:style>
+        <p:txBody>
+          <a:bodyPr rtlCol="0" anchor="ctr"/>
+          <a:lstStyle/>
+          <a:p>
+            <a:pPr algn="ctr" rtl="0"/>
+            <a:endParaRPr lang="de-DE" dirty="0">
+              <a:solidFill>
+                <a:schemeClr val="bg1"/>
+              </a:solidFill>
+            </a:endParaRPr>
+          </a:p>
+        </p:txBody>
+      </p:sp>
+      <p:sp>
+        <p:nvSpPr>
+          <p:cNvPr id="13" name="Textfeld 12"/>
+          <p:cNvSpPr txBox="1"/>
+          <p:nvPr/>
+        </p:nvSpPr>
+        <p:spPr>
+          <a:xfrm>
+            <a:off x="4163580" y="3059668"/>
+            <a:ext cx="3864841" cy="738664"/>
+          </a:xfrm>
+          <a:prstGeom prst="rect">
+            <a:avLst/>
+          </a:prstGeom>
+          <a:noFill/>
+        </p:spPr>
+        <p:txBody>
+          <a:bodyPr wrap="none" lIns="0" tIns="0" rIns="0" bIns="0" rtlCol="0">
+            <a:spAutoFit/>
+          </a:bodyPr>
+          <a:lstStyle/>
+          <a:p>
+            <a:pPr algn="ctr" rtl="0">
+              <a:tabLst>
+                <a:tab pos="347663" algn="l"/>
+              </a:tabLst>
+            </a:pPr>
+            <a:r>
+              <a:rPr lang="de-DE" sz="4800" b="1" dirty="0">
+                <a:solidFill>
+                  <a:srgbClr val="FFFFFF"/>
+                </a:solidFill>
+                <a:latin typeface="+mj-lt"/>
+              </a:rPr>
+              <a:t>VIELEN DANK</a:t>
+            </a:r>
+          </a:p>
+        </p:txBody>
+      </p:sp>
+      <p:sp>
+        <p:nvSpPr>
+          <p:cNvPr id="2" name="Titel 1" hidden="1">
+            <a:extLst>
+              <a:ext uri="{FF2B5EF4-FFF2-40B4-BE49-F238E27FC236}">
+                <a16:creationId xmlns:a16="http://schemas.microsoft.com/office/drawing/2014/main" id="{10E603A3-B905-4FE4-AF3D-7ABD07598BAD}"/>
+              </a:ext>
+            </a:extLst>
+          </p:cNvPr>
+          <p:cNvSpPr>
+            <a:spLocks noGrp="1"/>
+          </p:cNvSpPr>
+          <p:nvPr>
+            <p:ph type="title"/>
+          </p:nvPr>
+        </p:nvSpPr>
+        <p:spPr/>
+        <p:txBody>
+          <a:bodyPr rtlCol="0"/>
+          <a:lstStyle/>
+          <a:p>
+            <a:pPr rtl="0"/>
+            <a:r>
+              <a:rPr lang="de-DE" dirty="0"/>
+              <a:t>Folie 11</a:t>
+            </a:r>
+          </a:p>
+        </p:txBody>
+      </p:sp>
+    </p:spTree>
+    <p:extLst>
+      <p:ext uri="{BB962C8B-B14F-4D97-AF65-F5344CB8AC3E}">
+        <p14:creationId xmlns:p14="http://schemas.microsoft.com/office/powerpoint/2010/main" val="3345628227"/>
+      </p:ext>
+    </p:extLst>
+  </p:cSld>
+  <p:clrMapOvr>
+    <a:masterClrMapping/>
+  </p:clrMapOvr>
+</p:sld>
+</file>
+
 <file path=ppt/slides/slide2.xml><?xml version="1.0" encoding="utf-8"?>
 <p:sld xmlns:a="http://schemas.openxmlformats.org/drawingml/2006/main" xmlns:r="http://schemas.openxmlformats.org/officeDocument/2006/relationships" xmlns:p="http://schemas.openxmlformats.org/presentationml/2006/main">
   <p:cSld>
@@ -8287,6 +8764,290 @@
           <a:chExt cx="0" cy="0"/>
         </a:xfrm>
       </p:grpSpPr>
+      <p:sp>
+        <p:nvSpPr>
+          <p:cNvPr id="2" name="Titel 1">
+            <a:extLst>
+              <a:ext uri="{FF2B5EF4-FFF2-40B4-BE49-F238E27FC236}">
+                <a16:creationId xmlns:a16="http://schemas.microsoft.com/office/drawing/2014/main" id="{F1C80361-9209-469A-A201-992BE5F597B3}"/>
+              </a:ext>
+            </a:extLst>
+          </p:cNvPr>
+          <p:cNvSpPr>
+            <a:spLocks noGrp="1"/>
+          </p:cNvSpPr>
+          <p:nvPr>
+            <p:ph type="title"/>
+          </p:nvPr>
+        </p:nvSpPr>
+        <p:spPr/>
+        <p:txBody>
+          <a:bodyPr/>
+          <a:lstStyle/>
+          <a:p>
+            <a:r>
+              <a:rPr lang="en-US" dirty="0"/>
+              <a:t>Group By</a:t>
+            </a:r>
+          </a:p>
+        </p:txBody>
+      </p:sp>
+      <p:sp>
+        <p:nvSpPr>
+          <p:cNvPr id="3" name="Inhaltsplatzhalter 2">
+            <a:extLst>
+              <a:ext uri="{FF2B5EF4-FFF2-40B4-BE49-F238E27FC236}">
+                <a16:creationId xmlns:a16="http://schemas.microsoft.com/office/drawing/2014/main" id="{ABF0BD9D-8AE4-4D19-89A1-32D5ADFA3C1A}"/>
+              </a:ext>
+            </a:extLst>
+          </p:cNvPr>
+          <p:cNvSpPr>
+            <a:spLocks noGrp="1"/>
+          </p:cNvSpPr>
+          <p:nvPr>
+            <p:ph idx="1"/>
+          </p:nvPr>
+        </p:nvSpPr>
+        <p:spPr/>
+        <p:txBody>
+          <a:bodyPr>
+            <a:normAutofit fontScale="85000" lnSpcReduction="20000"/>
+          </a:bodyPr>
+          <a:lstStyle/>
+          <a:p>
+            <a:pPr marL="0" indent="0">
+              <a:buNone/>
+            </a:pPr>
+            <a:r>
+              <a:rPr lang="en-US" dirty="0"/>
+              <a:t>Select Year</a:t>
+            </a:r>
+          </a:p>
+          <a:p>
+            <a:pPr marL="0" indent="0">
+              <a:buNone/>
+            </a:pPr>
+            <a:r>
+              <a:rPr lang="en-US" dirty="0"/>
+              <a:t>From </a:t>
+            </a:r>
+            <a:r>
+              <a:rPr lang="en-US" dirty="0" err="1"/>
+              <a:t>Fact_Vpi</a:t>
+            </a:r>
+            <a:r>
+              <a:rPr lang="en-US" dirty="0"/>
+              <a:t> F Join </a:t>
+            </a:r>
+            <a:r>
+              <a:rPr lang="en-US" dirty="0" err="1"/>
+              <a:t>Time_Vpi</a:t>
+            </a:r>
+            <a:r>
+              <a:rPr lang="en-US" dirty="0"/>
+              <a:t> T On (</a:t>
+            </a:r>
+            <a:r>
+              <a:rPr lang="en-US" dirty="0" err="1"/>
+              <a:t>F.Time_Id</a:t>
+            </a:r>
+            <a:r>
+              <a:rPr lang="en-US" dirty="0"/>
+              <a:t> = </a:t>
+            </a:r>
+            <a:r>
+              <a:rPr lang="en-US" dirty="0" err="1"/>
+              <a:t>T.Id</a:t>
+            </a:r>
+            <a:r>
+              <a:rPr lang="en-US" dirty="0"/>
+              <a:t>)</a:t>
+            </a:r>
+          </a:p>
+          <a:p>
+            <a:pPr marL="0" indent="0">
+              <a:buNone/>
+            </a:pPr>
+            <a:r>
+              <a:rPr lang="en-US" dirty="0"/>
+              <a:t>Group By Cube (Year);</a:t>
+            </a:r>
+          </a:p>
+          <a:p>
+            <a:pPr marL="0" indent="0">
+              <a:buNone/>
+            </a:pPr>
+            <a:endParaRPr lang="en-US" dirty="0"/>
+          </a:p>
+          <a:p>
+            <a:pPr marL="0" indent="0">
+              <a:buNone/>
+            </a:pPr>
+            <a:r>
+              <a:rPr lang="en-US" dirty="0"/>
+              <a:t>Select Month</a:t>
+            </a:r>
+          </a:p>
+          <a:p>
+            <a:pPr marL="0" indent="0">
+              <a:buNone/>
+            </a:pPr>
+            <a:r>
+              <a:rPr lang="en-US" dirty="0"/>
+              <a:t>From </a:t>
+            </a:r>
+            <a:r>
+              <a:rPr lang="en-US" dirty="0" err="1"/>
+              <a:t>Fact_Vpi</a:t>
+            </a:r>
+            <a:r>
+              <a:rPr lang="en-US" dirty="0"/>
+              <a:t> F Join </a:t>
+            </a:r>
+            <a:r>
+              <a:rPr lang="en-US" dirty="0" err="1"/>
+              <a:t>Time_Vpi</a:t>
+            </a:r>
+            <a:r>
+              <a:rPr lang="en-US" dirty="0"/>
+              <a:t> T On (</a:t>
+            </a:r>
+            <a:r>
+              <a:rPr lang="en-US" dirty="0" err="1"/>
+              <a:t>F.Time_Id</a:t>
+            </a:r>
+            <a:r>
+              <a:rPr lang="en-US" dirty="0"/>
+              <a:t> = </a:t>
+            </a:r>
+            <a:r>
+              <a:rPr lang="en-US" dirty="0" err="1"/>
+              <a:t>T.Id</a:t>
+            </a:r>
+            <a:r>
+              <a:rPr lang="en-US" dirty="0"/>
+              <a:t>)</a:t>
+            </a:r>
+          </a:p>
+          <a:p>
+            <a:pPr marL="0" indent="0">
+              <a:buNone/>
+            </a:pPr>
+            <a:r>
+              <a:rPr lang="en-US" dirty="0"/>
+              <a:t>Group By Cube (Month);</a:t>
+            </a:r>
+          </a:p>
+          <a:p>
+            <a:pPr marL="0" indent="0">
+              <a:buNone/>
+            </a:pPr>
+            <a:endParaRPr lang="en-US" dirty="0"/>
+          </a:p>
+          <a:p>
+            <a:pPr marL="0" indent="0">
+              <a:buNone/>
+            </a:pPr>
+            <a:r>
+              <a:rPr lang="en-US" dirty="0"/>
+              <a:t>Select </a:t>
+            </a:r>
+            <a:r>
+              <a:rPr lang="en-US" dirty="0" err="1"/>
+              <a:t>Vpi</a:t>
+            </a:r>
+            <a:endParaRPr lang="en-US" dirty="0"/>
+          </a:p>
+          <a:p>
+            <a:pPr marL="0" indent="0">
+              <a:buNone/>
+            </a:pPr>
+            <a:r>
+              <a:rPr lang="en-US" dirty="0"/>
+              <a:t>From </a:t>
+            </a:r>
+            <a:r>
+              <a:rPr lang="en-US" dirty="0" err="1"/>
+              <a:t>Fact_Vpi</a:t>
+            </a:r>
+            <a:r>
+              <a:rPr lang="en-US" dirty="0"/>
+              <a:t> F Join </a:t>
+            </a:r>
+            <a:r>
+              <a:rPr lang="en-US" dirty="0" err="1"/>
+              <a:t>Time_Vpi</a:t>
+            </a:r>
+            <a:r>
+              <a:rPr lang="en-US" dirty="0"/>
+              <a:t> T On (</a:t>
+            </a:r>
+            <a:r>
+              <a:rPr lang="en-US" dirty="0" err="1"/>
+              <a:t>F.Time_Id</a:t>
+            </a:r>
+            <a:r>
+              <a:rPr lang="en-US" dirty="0"/>
+              <a:t> = </a:t>
+            </a:r>
+            <a:r>
+              <a:rPr lang="en-US" dirty="0" err="1"/>
+              <a:t>T.Id</a:t>
+            </a:r>
+            <a:r>
+              <a:rPr lang="en-US" dirty="0"/>
+              <a:t>)</a:t>
+            </a:r>
+          </a:p>
+          <a:p>
+            <a:pPr marL="0" indent="0">
+              <a:buNone/>
+            </a:pPr>
+            <a:r>
+              <a:rPr lang="en-US" dirty="0"/>
+              <a:t>Group By Cube (</a:t>
+            </a:r>
+            <a:r>
+              <a:rPr lang="en-US" dirty="0" err="1"/>
+              <a:t>Vpi</a:t>
+            </a:r>
+            <a:r>
+              <a:rPr lang="en-US" dirty="0"/>
+              <a:t>);</a:t>
+            </a:r>
+          </a:p>
+        </p:txBody>
+      </p:sp>
+    </p:spTree>
+    <p:extLst>
+      <p:ext uri="{BB962C8B-B14F-4D97-AF65-F5344CB8AC3E}">
+        <p14:creationId xmlns:p14="http://schemas.microsoft.com/office/powerpoint/2010/main" val="1633678646"/>
+      </p:ext>
+    </p:extLst>
+  </p:cSld>
+  <p:clrMapOvr>
+    <a:masterClrMapping/>
+  </p:clrMapOvr>
+</p:sld>
+</file>
+
+<file path=ppt/slides/slide9.xml><?xml version="1.0" encoding="utf-8"?>
+<p:sld xmlns:a="http://schemas.openxmlformats.org/drawingml/2006/main" xmlns:r="http://schemas.openxmlformats.org/officeDocument/2006/relationships" xmlns:p="http://schemas.openxmlformats.org/presentationml/2006/main">
+  <p:cSld>
+    <p:spTree>
+      <p:nvGrpSpPr>
+        <p:cNvPr id="1" name=""/>
+        <p:cNvGrpSpPr/>
+        <p:nvPr/>
+      </p:nvGrpSpPr>
+      <p:grpSpPr>
+        <a:xfrm>
+          <a:off x="0" y="0"/>
+          <a:ext cx="0" cy="0"/>
+          <a:chOff x="0" y="0"/>
+          <a:chExt cx="0" cy="0"/>
+        </a:xfrm>
+      </p:grpSpPr>
       <p:graphicFrame>
         <p:nvGraphicFramePr>
           <p:cNvPr id="10" name="Diagramm 9" descr="Dies ist ein Diagramm."/>
@@ -8624,482 +9385,6 @@
     <p:extLst>
       <p:ext uri="{BB962C8B-B14F-4D97-AF65-F5344CB8AC3E}">
         <p14:creationId xmlns:p14="http://schemas.microsoft.com/office/powerpoint/2010/main" val="1221752997"/>
-      </p:ext>
-    </p:extLst>
-  </p:cSld>
-  <p:clrMapOvr>
-    <a:masterClrMapping/>
-  </p:clrMapOvr>
-</p:sld>
-</file>
-
-<file path=ppt/slides/slide9.xml><?xml version="1.0" encoding="utf-8"?>
-<p:sld xmlns:a="http://schemas.openxmlformats.org/drawingml/2006/main" xmlns:r="http://schemas.openxmlformats.org/officeDocument/2006/relationships" xmlns:p="http://schemas.openxmlformats.org/presentationml/2006/main">
-  <p:cSld>
-    <p:spTree>
-      <p:nvGrpSpPr>
-        <p:cNvPr id="1" name=""/>
-        <p:cNvGrpSpPr/>
-        <p:nvPr/>
-      </p:nvGrpSpPr>
-      <p:grpSpPr>
-        <a:xfrm>
-          <a:off x="0" y="0"/>
-          <a:ext cx="0" cy="0"/>
-          <a:chOff x="0" y="0"/>
-          <a:chExt cx="0" cy="0"/>
-        </a:xfrm>
-      </p:grpSpPr>
-      <p:pic>
-        <p:nvPicPr>
-          <p:cNvPr id="6" name="Bild 5">
-            <a:extLst>
-              <a:ext uri="{C183D7F6-B498-43B3-948B-1728B52AA6E4}">
-                <adec:decorative xmlns:adec="http://schemas.microsoft.com/office/drawing/2017/decorative" val="1"/>
-              </a:ext>
-            </a:extLst>
-          </p:cNvPr>
-          <p:cNvPicPr>
-            <a:picLocks noChangeAspect="1"/>
-          </p:cNvPicPr>
-          <p:nvPr/>
-        </p:nvPicPr>
-        <p:blipFill>
-          <a:blip r:embed="rId3" cstate="print">
-            <a:extLst>
-              <a:ext uri="{28A0092B-C50C-407E-A947-70E740481C1C}">
-                <a14:useLocalDpi xmlns:a14="http://schemas.microsoft.com/office/drawing/2010/main" val="0"/>
-              </a:ext>
-            </a:extLst>
-          </a:blip>
-          <a:srcRect/>
-          <a:stretch>
-            <a:fillRect/>
-          </a:stretch>
-        </p:blipFill>
-        <p:spPr>
-          <a:xfrm>
-            <a:off x="0" y="2"/>
-            <a:ext cx="12192000" cy="6857999"/>
-          </a:xfrm>
-          <a:custGeom>
-            <a:avLst/>
-            <a:gdLst>
-              <a:gd name="connsiteX0" fmla="*/ 0 w 12192000"/>
-              <a:gd name="connsiteY0" fmla="*/ 0 h 6857999"/>
-              <a:gd name="connsiteX1" fmla="*/ 12192000 w 12192000"/>
-              <a:gd name="connsiteY1" fmla="*/ 0 h 6857999"/>
-              <a:gd name="connsiteX2" fmla="*/ 12192000 w 12192000"/>
-              <a:gd name="connsiteY2" fmla="*/ 6857999 h 6857999"/>
-              <a:gd name="connsiteX3" fmla="*/ 0 w 12192000"/>
-              <a:gd name="connsiteY3" fmla="*/ 6857999 h 6857999"/>
-            </a:gdLst>
-            <a:ahLst/>
-            <a:cxnLst>
-              <a:cxn ang="0">
-                <a:pos x="connsiteX0" y="connsiteY0"/>
-              </a:cxn>
-              <a:cxn ang="0">
-                <a:pos x="connsiteX1" y="connsiteY1"/>
-              </a:cxn>
-              <a:cxn ang="0">
-                <a:pos x="connsiteX2" y="connsiteY2"/>
-              </a:cxn>
-              <a:cxn ang="0">
-                <a:pos x="connsiteX3" y="connsiteY3"/>
-              </a:cxn>
-            </a:cxnLst>
-            <a:rect l="l" t="t" r="r" b="b"/>
-            <a:pathLst>
-              <a:path w="12192000" h="6857999">
-                <a:moveTo>
-                  <a:pt x="0" y="0"/>
-                </a:moveTo>
-                <a:lnTo>
-                  <a:pt x="12192000" y="0"/>
-                </a:lnTo>
-                <a:lnTo>
-                  <a:pt x="12192000" y="6857999"/>
-                </a:lnTo>
-                <a:lnTo>
-                  <a:pt x="0" y="6857999"/>
-                </a:lnTo>
-                <a:close/>
-              </a:path>
-            </a:pathLst>
-          </a:custGeom>
-        </p:spPr>
-      </p:pic>
-      <p:sp>
-        <p:nvSpPr>
-          <p:cNvPr id="5" name="Rechteck 4">
-            <a:extLst>
-              <a:ext uri="{C183D7F6-B498-43B3-948B-1728B52AA6E4}">
-                <adec:decorative xmlns:adec="http://schemas.microsoft.com/office/drawing/2017/decorative" val="1"/>
-              </a:ext>
-            </a:extLst>
-          </p:cNvPr>
-          <p:cNvSpPr/>
-          <p:nvPr/>
-        </p:nvSpPr>
-        <p:spPr>
-          <a:xfrm>
-            <a:off x="0" y="0"/>
-            <a:ext cx="12192000" cy="6858000"/>
-          </a:xfrm>
-          <a:prstGeom prst="rect">
-            <a:avLst/>
-          </a:prstGeom>
-          <a:gradFill flip="none" rotWithShape="0">
-            <a:gsLst>
-              <a:gs pos="100000">
-                <a:srgbClr val="1F2229">
-                  <a:alpha val="60000"/>
-                </a:srgbClr>
-              </a:gs>
-              <a:gs pos="20000">
-                <a:srgbClr val="1F2229">
-                  <a:alpha val="91765"/>
-                </a:srgbClr>
-              </a:gs>
-            </a:gsLst>
-            <a:lin ang="16200000" scaled="1"/>
-            <a:tileRect/>
-          </a:gradFill>
-          <a:ln>
-            <a:noFill/>
-          </a:ln>
-        </p:spPr>
-        <p:style>
-          <a:lnRef idx="2">
-            <a:schemeClr val="accent1">
-              <a:shade val="50000"/>
-            </a:schemeClr>
-          </a:lnRef>
-          <a:fillRef idx="1">
-            <a:schemeClr val="accent1"/>
-          </a:fillRef>
-          <a:effectRef idx="0">
-            <a:schemeClr val="accent1"/>
-          </a:effectRef>
-          <a:fontRef idx="minor">
-            <a:schemeClr val="lt1"/>
-          </a:fontRef>
-        </p:style>
-        <p:txBody>
-          <a:bodyPr rtlCol="0" anchor="ctr"/>
-          <a:lstStyle/>
-          <a:p>
-            <a:pPr algn="ctr" rtl="0"/>
-            <a:endParaRPr lang="de-DE" dirty="0"/>
-          </a:p>
-        </p:txBody>
-      </p:sp>
-      <p:grpSp>
-        <p:nvGrpSpPr>
-          <p:cNvPr id="21" name="Gruppieren 20">
-            <a:extLst>
-              <a:ext uri="{C183D7F6-B498-43B3-948B-1728B52AA6E4}">
-                <adec:decorative xmlns:adec="http://schemas.microsoft.com/office/drawing/2017/decorative" val="1"/>
-              </a:ext>
-            </a:extLst>
-          </p:cNvPr>
-          <p:cNvGrpSpPr/>
-          <p:nvPr/>
-        </p:nvGrpSpPr>
-        <p:grpSpPr>
-          <a:xfrm>
-            <a:off x="2757714" y="1626921"/>
-            <a:ext cx="6676572" cy="3604160"/>
-            <a:chOff x="2162629" y="1305681"/>
-            <a:chExt cx="7866742" cy="4246640"/>
-          </a:xfrm>
-        </p:grpSpPr>
-        <p:sp>
-          <p:nvSpPr>
-            <p:cNvPr id="17" name="Ellipse 16"/>
-            <p:cNvSpPr/>
-            <p:nvPr/>
-          </p:nvSpPr>
-          <p:spPr>
-            <a:xfrm>
-              <a:off x="5782715" y="1305681"/>
-              <a:ext cx="4246656" cy="4246640"/>
-            </a:xfrm>
-            <a:prstGeom prst="ellipse">
-              <a:avLst/>
-            </a:prstGeom>
-            <a:solidFill>
-              <a:srgbClr val="43CDD9">
-                <a:alpha val="30000"/>
-              </a:srgbClr>
-            </a:solidFill>
-            <a:ln>
-              <a:noFill/>
-            </a:ln>
-          </p:spPr>
-          <p:style>
-            <a:lnRef idx="2">
-              <a:schemeClr val="accent1">
-                <a:shade val="50000"/>
-              </a:schemeClr>
-            </a:lnRef>
-            <a:fillRef idx="1">
-              <a:schemeClr val="accent1"/>
-            </a:fillRef>
-            <a:effectRef idx="0">
-              <a:schemeClr val="accent1"/>
-            </a:effectRef>
-            <a:fontRef idx="minor">
-              <a:schemeClr val="lt1"/>
-            </a:fontRef>
-          </p:style>
-          <p:txBody>
-            <a:bodyPr rtlCol="0" anchor="ctr"/>
-            <a:lstStyle/>
-            <a:p>
-              <a:pPr algn="ctr" rtl="0"/>
-              <a:endParaRPr lang="de-DE" dirty="0"/>
-            </a:p>
-          </p:txBody>
-        </p:sp>
-        <p:sp>
-          <p:nvSpPr>
-            <p:cNvPr id="18" name="Ellipse 17"/>
-            <p:cNvSpPr/>
-            <p:nvPr/>
-          </p:nvSpPr>
-          <p:spPr>
-            <a:xfrm>
-              <a:off x="2162629" y="1305681"/>
-              <a:ext cx="4246656" cy="4246640"/>
-            </a:xfrm>
-            <a:prstGeom prst="ellipse">
-              <a:avLst/>
-            </a:prstGeom>
-            <a:solidFill>
-              <a:srgbClr val="43CDD9">
-                <a:alpha val="30000"/>
-              </a:srgbClr>
-            </a:solidFill>
-            <a:ln>
-              <a:noFill/>
-            </a:ln>
-          </p:spPr>
-          <p:style>
-            <a:lnRef idx="2">
-              <a:schemeClr val="accent1">
-                <a:shade val="50000"/>
-              </a:schemeClr>
-            </a:lnRef>
-            <a:fillRef idx="1">
-              <a:schemeClr val="accent1"/>
-            </a:fillRef>
-            <a:effectRef idx="0">
-              <a:schemeClr val="accent1"/>
-            </a:effectRef>
-            <a:fontRef idx="minor">
-              <a:schemeClr val="lt1"/>
-            </a:fontRef>
-          </p:style>
-          <p:txBody>
-            <a:bodyPr rtlCol="0" anchor="ctr"/>
-            <a:lstStyle/>
-            <a:p>
-              <a:pPr algn="ctr" rtl="0"/>
-              <a:endParaRPr lang="de-DE" dirty="0"/>
-            </a:p>
-          </p:txBody>
-        </p:sp>
-      </p:grpSp>
-      <p:sp>
-        <p:nvSpPr>
-          <p:cNvPr id="16" name="Ellipse 15">
-            <a:extLst>
-              <a:ext uri="{C183D7F6-B498-43B3-948B-1728B52AA6E4}">
-                <adec:decorative xmlns:adec="http://schemas.microsoft.com/office/drawing/2017/decorative" val="1"/>
-              </a:ext>
-            </a:extLst>
-          </p:cNvPr>
-          <p:cNvSpPr/>
-          <p:nvPr/>
-        </p:nvSpPr>
-        <p:spPr>
-          <a:xfrm>
-            <a:off x="3456507" y="789512"/>
-            <a:ext cx="5278993" cy="5278976"/>
-          </a:xfrm>
-          <a:prstGeom prst="ellipse">
-            <a:avLst/>
-          </a:prstGeom>
-          <a:solidFill>
-            <a:schemeClr val="bg1">
-              <a:alpha val="40000"/>
-            </a:schemeClr>
-          </a:solidFill>
-          <a:ln>
-            <a:noFill/>
-          </a:ln>
-        </p:spPr>
-        <p:style>
-          <a:lnRef idx="2">
-            <a:schemeClr val="accent1">
-              <a:shade val="50000"/>
-            </a:schemeClr>
-          </a:lnRef>
-          <a:fillRef idx="1">
-            <a:schemeClr val="accent1"/>
-          </a:fillRef>
-          <a:effectRef idx="0">
-            <a:schemeClr val="accent1"/>
-          </a:effectRef>
-          <a:fontRef idx="minor">
-            <a:schemeClr val="lt1"/>
-          </a:fontRef>
-        </p:style>
-        <p:txBody>
-          <a:bodyPr rtlCol="0" anchor="ctr"/>
-          <a:lstStyle/>
-          <a:p>
-            <a:pPr algn="ctr" rtl="0"/>
-            <a:endParaRPr lang="de-DE" dirty="0">
-              <a:solidFill>
-                <a:schemeClr val="bg1"/>
-              </a:solidFill>
-            </a:endParaRPr>
-          </a:p>
-        </p:txBody>
-      </p:sp>
-      <p:sp>
-        <p:nvSpPr>
-          <p:cNvPr id="19" name="Ellipse 18">
-            <a:extLst>
-              <a:ext uri="{C183D7F6-B498-43B3-948B-1728B52AA6E4}">
-                <adec:decorative xmlns:adec="http://schemas.microsoft.com/office/drawing/2017/decorative" val="1"/>
-              </a:ext>
-            </a:extLst>
-          </p:cNvPr>
-          <p:cNvSpPr/>
-          <p:nvPr/>
-        </p:nvSpPr>
-        <p:spPr>
-          <a:xfrm>
-            <a:off x="3879010" y="1212017"/>
-            <a:ext cx="4433981" cy="4433966"/>
-          </a:xfrm>
-          <a:prstGeom prst="ellipse">
-            <a:avLst/>
-          </a:prstGeom>
-          <a:solidFill>
-            <a:schemeClr val="bg1">
-              <a:alpha val="30000"/>
-            </a:schemeClr>
-          </a:solidFill>
-          <a:ln>
-            <a:noFill/>
-          </a:ln>
-        </p:spPr>
-        <p:style>
-          <a:lnRef idx="2">
-            <a:schemeClr val="accent1">
-              <a:shade val="50000"/>
-            </a:schemeClr>
-          </a:lnRef>
-          <a:fillRef idx="1">
-            <a:schemeClr val="accent1"/>
-          </a:fillRef>
-          <a:effectRef idx="0">
-            <a:schemeClr val="accent1"/>
-          </a:effectRef>
-          <a:fontRef idx="minor">
-            <a:schemeClr val="lt1"/>
-          </a:fontRef>
-        </p:style>
-        <p:txBody>
-          <a:bodyPr rtlCol="0" anchor="ctr"/>
-          <a:lstStyle/>
-          <a:p>
-            <a:pPr algn="ctr" rtl="0"/>
-            <a:endParaRPr lang="de-DE" dirty="0">
-              <a:solidFill>
-                <a:schemeClr val="bg1"/>
-              </a:solidFill>
-            </a:endParaRPr>
-          </a:p>
-        </p:txBody>
-      </p:sp>
-      <p:sp>
-        <p:nvSpPr>
-          <p:cNvPr id="13" name="Textfeld 12"/>
-          <p:cNvSpPr txBox="1"/>
-          <p:nvPr/>
-        </p:nvSpPr>
-        <p:spPr>
-          <a:xfrm>
-            <a:off x="4163580" y="3059668"/>
-            <a:ext cx="3864841" cy="738664"/>
-          </a:xfrm>
-          <a:prstGeom prst="rect">
-            <a:avLst/>
-          </a:prstGeom>
-          <a:noFill/>
-        </p:spPr>
-        <p:txBody>
-          <a:bodyPr wrap="none" lIns="0" tIns="0" rIns="0" bIns="0" rtlCol="0">
-            <a:spAutoFit/>
-          </a:bodyPr>
-          <a:lstStyle/>
-          <a:p>
-            <a:pPr algn="ctr" rtl="0">
-              <a:tabLst>
-                <a:tab pos="347663" algn="l"/>
-              </a:tabLst>
-            </a:pPr>
-            <a:r>
-              <a:rPr lang="de-DE" sz="4800" b="1" dirty="0">
-                <a:solidFill>
-                  <a:srgbClr val="FFFFFF"/>
-                </a:solidFill>
-                <a:latin typeface="+mj-lt"/>
-              </a:rPr>
-              <a:t>VIELEN DANK</a:t>
-            </a:r>
-          </a:p>
-        </p:txBody>
-      </p:sp>
-      <p:sp>
-        <p:nvSpPr>
-          <p:cNvPr id="2" name="Titel 1" hidden="1">
-            <a:extLst>
-              <a:ext uri="{FF2B5EF4-FFF2-40B4-BE49-F238E27FC236}">
-                <a16:creationId xmlns:a16="http://schemas.microsoft.com/office/drawing/2014/main" id="{10E603A3-B905-4FE4-AF3D-7ABD07598BAD}"/>
-              </a:ext>
-            </a:extLst>
-          </p:cNvPr>
-          <p:cNvSpPr>
-            <a:spLocks noGrp="1"/>
-          </p:cNvSpPr>
-          <p:nvPr>
-            <p:ph type="title"/>
-          </p:nvPr>
-        </p:nvSpPr>
-        <p:spPr/>
-        <p:txBody>
-          <a:bodyPr rtlCol="0"/>
-          <a:lstStyle/>
-          <a:p>
-            <a:pPr rtl="0"/>
-            <a:r>
-              <a:rPr lang="de-DE" dirty="0"/>
-              <a:t>Folie 11</a:t>
-            </a:r>
-          </a:p>
-        </p:txBody>
-      </p:sp>
-    </p:spTree>
-    <p:extLst>
-      <p:ext uri="{BB962C8B-B14F-4D97-AF65-F5344CB8AC3E}">
-        <p14:creationId xmlns:p14="http://schemas.microsoft.com/office/powerpoint/2010/main" val="3345628227"/>
       </p:ext>
     </p:extLst>
   </p:cSld>
